--- a/make_presentation/templates/templates/classic/_9.pptx
+++ b/make_presentation/templates/templates/classic/_9.pptx
@@ -300,7 +300,7 @@
             <a:pPr algn="r">
               <a:buNone/>
             </a:pPr>
-            <a:fld id="{3B441916-FEBC-42E8-9192-CDE216C5200A}" type="slidenum">
+            <a:fld id="{CB94C497-2C1B-41F0-BE6B-CA2B186FF79B}" type="slidenum">
               <a:rPr b="0" lang="en-US" sz="1400" spc="-1" strike="noStrike">
                 <a:latin typeface="Times New Roman"/>
               </a:rPr>
@@ -348,7 +348,7 @@
         <p:spPr>
           <a:xfrm>
             <a:off x="380880" y="685800"/>
-            <a:ext cx="6093000" cy="3426120"/>
+            <a:ext cx="6092640" cy="3425760"/>
           </a:xfrm>
           <a:prstGeom prst="rect">
             <a:avLst/>
@@ -371,7 +371,7 @@
         <p:spPr>
           <a:xfrm>
             <a:off x="685800" y="4343400"/>
-            <a:ext cx="5483520" cy="4111920"/>
+            <a:ext cx="5483160" cy="4111560"/>
           </a:xfrm>
           <a:prstGeom prst="rect">
             <a:avLst/>
@@ -405,7 +405,7 @@
         <p:spPr>
           <a:xfrm>
             <a:off x="3884760" y="8685360"/>
-            <a:ext cx="2968920" cy="454320"/>
+            <a:ext cx="2968560" cy="453960"/>
           </a:xfrm>
           <a:prstGeom prst="rect">
             <a:avLst/>
@@ -441,7 +441,7 @@
               </a:lnSpc>
               <a:buNone/>
             </a:pPr>
-            <a:fld id="{4A028D52-A236-4149-9175-E1C05BDDFFB4}" type="slidenum">
+            <a:fld id="{85B959BE-E3B9-4C1B-B100-C3C2AF7F1160}" type="slidenum">
               <a:rPr b="0" lang="en-US" sz="1200" spc="-1" strike="noStrike">
                 <a:solidFill>
                   <a:srgbClr val="000000"/>
@@ -492,7 +492,7 @@
         <p:spPr>
           <a:xfrm>
             <a:off x="380880" y="685800"/>
-            <a:ext cx="6093000" cy="3426120"/>
+            <a:ext cx="6092640" cy="3425760"/>
           </a:xfrm>
           <a:prstGeom prst="rect">
             <a:avLst/>
@@ -515,7 +515,7 @@
         <p:spPr>
           <a:xfrm>
             <a:off x="685800" y="4343400"/>
-            <a:ext cx="5483520" cy="4111920"/>
+            <a:ext cx="5483160" cy="4111560"/>
           </a:xfrm>
           <a:prstGeom prst="rect">
             <a:avLst/>
@@ -549,7 +549,7 @@
         <p:spPr>
           <a:xfrm>
             <a:off x="3884760" y="8685360"/>
-            <a:ext cx="2968920" cy="454320"/>
+            <a:ext cx="2968560" cy="453960"/>
           </a:xfrm>
           <a:prstGeom prst="rect">
             <a:avLst/>
@@ -585,7 +585,7 @@
               </a:lnSpc>
               <a:buNone/>
             </a:pPr>
-            <a:fld id="{E59A727E-4F4E-448A-BCEB-BEE4075A082F}" type="slidenum">
+            <a:fld id="{195F33E1-72B7-48B4-940D-177992859A06}" type="slidenum">
               <a:rPr b="0" lang="en-US" sz="1200" spc="-1" strike="noStrike">
                 <a:solidFill>
                   <a:srgbClr val="000000"/>
@@ -636,7 +636,7 @@
         <p:spPr>
           <a:xfrm>
             <a:off x="380880" y="685800"/>
-            <a:ext cx="6093000" cy="3426120"/>
+            <a:ext cx="6092640" cy="3425760"/>
           </a:xfrm>
           <a:prstGeom prst="rect">
             <a:avLst/>
@@ -659,7 +659,7 @@
         <p:spPr>
           <a:xfrm>
             <a:off x="685800" y="4343400"/>
-            <a:ext cx="5483520" cy="4111920"/>
+            <a:ext cx="5483160" cy="4111560"/>
           </a:xfrm>
           <a:prstGeom prst="rect">
             <a:avLst/>
@@ -693,7 +693,7 @@
         <p:spPr>
           <a:xfrm>
             <a:off x="3884760" y="8685360"/>
-            <a:ext cx="2968920" cy="454320"/>
+            <a:ext cx="2968560" cy="453960"/>
           </a:xfrm>
           <a:prstGeom prst="rect">
             <a:avLst/>
@@ -729,7 +729,7 @@
               </a:lnSpc>
               <a:buNone/>
             </a:pPr>
-            <a:fld id="{48A317E1-0209-4888-991B-6CDB06981310}" type="slidenum">
+            <a:fld id="{820B3FCC-4826-4F73-BE45-CA122DF0B339}" type="slidenum">
               <a:rPr b="0" lang="en-US" sz="1200" spc="-1" strike="noStrike">
                 <a:solidFill>
                   <a:srgbClr val="000000"/>
@@ -780,7 +780,7 @@
         <p:spPr>
           <a:xfrm>
             <a:off x="380880" y="685800"/>
-            <a:ext cx="6093000" cy="3426120"/>
+            <a:ext cx="6092640" cy="3425760"/>
           </a:xfrm>
           <a:prstGeom prst="rect">
             <a:avLst/>
@@ -803,7 +803,7 @@
         <p:spPr>
           <a:xfrm>
             <a:off x="685800" y="4343400"/>
-            <a:ext cx="5483520" cy="4111920"/>
+            <a:ext cx="5483160" cy="4111560"/>
           </a:xfrm>
           <a:prstGeom prst="rect">
             <a:avLst/>
@@ -837,7 +837,7 @@
         <p:spPr>
           <a:xfrm>
             <a:off x="3884760" y="8685360"/>
-            <a:ext cx="2968920" cy="454320"/>
+            <a:ext cx="2968560" cy="453960"/>
           </a:xfrm>
           <a:prstGeom prst="rect">
             <a:avLst/>
@@ -873,7 +873,7 @@
               </a:lnSpc>
               <a:buNone/>
             </a:pPr>
-            <a:fld id="{28459C9A-45E0-4E78-828E-D1F1339CBC24}" type="slidenum">
+            <a:fld id="{77C20F11-9E2A-40E9-AD14-0C0F86D9AEDF}" type="slidenum">
               <a:rPr b="0" lang="en-US" sz="1200" spc="-1" strike="noStrike">
                 <a:solidFill>
                   <a:srgbClr val="000000"/>
@@ -924,7 +924,7 @@
         <p:spPr>
           <a:xfrm>
             <a:off x="380880" y="685800"/>
-            <a:ext cx="6093000" cy="3426120"/>
+            <a:ext cx="6092640" cy="3425760"/>
           </a:xfrm>
           <a:prstGeom prst="rect">
             <a:avLst/>
@@ -947,7 +947,7 @@
         <p:spPr>
           <a:xfrm>
             <a:off x="685800" y="4343400"/>
-            <a:ext cx="5483520" cy="4111920"/>
+            <a:ext cx="5483160" cy="4111560"/>
           </a:xfrm>
           <a:prstGeom prst="rect">
             <a:avLst/>
@@ -981,7 +981,7 @@
         <p:spPr>
           <a:xfrm>
             <a:off x="3884760" y="8685360"/>
-            <a:ext cx="2968920" cy="454320"/>
+            <a:ext cx="2968560" cy="453960"/>
           </a:xfrm>
           <a:prstGeom prst="rect">
             <a:avLst/>
@@ -1017,7 +1017,7 @@
               </a:lnSpc>
               <a:buNone/>
             </a:pPr>
-            <a:fld id="{FA3CFC98-4E0E-4102-B841-27B08D14DD3F}" type="slidenum">
+            <a:fld id="{F256FC45-A029-4DD5-B034-2B059973D293}" type="slidenum">
               <a:rPr b="0" lang="en-US" sz="1200" spc="-1" strike="noStrike">
                 <a:solidFill>
                   <a:srgbClr val="000000"/>
@@ -1068,7 +1068,7 @@
         <p:spPr>
           <a:xfrm>
             <a:off x="380880" y="685800"/>
-            <a:ext cx="6093000" cy="3426120"/>
+            <a:ext cx="6092640" cy="3425760"/>
           </a:xfrm>
           <a:prstGeom prst="rect">
             <a:avLst/>
@@ -1091,7 +1091,7 @@
         <p:spPr>
           <a:xfrm>
             <a:off x="685800" y="4343400"/>
-            <a:ext cx="5483520" cy="4111920"/>
+            <a:ext cx="5483160" cy="4111560"/>
           </a:xfrm>
           <a:prstGeom prst="rect">
             <a:avLst/>
@@ -1125,7 +1125,7 @@
         <p:spPr>
           <a:xfrm>
             <a:off x="3884760" y="8685360"/>
-            <a:ext cx="2968920" cy="454320"/>
+            <a:ext cx="2968560" cy="453960"/>
           </a:xfrm>
           <a:prstGeom prst="rect">
             <a:avLst/>
@@ -1161,7 +1161,7 @@
               </a:lnSpc>
               <a:buNone/>
             </a:pPr>
-            <a:fld id="{326698A3-2B8F-49F1-A3D3-D6CB7A370764}" type="slidenum">
+            <a:fld id="{F6481D0D-850D-4F98-8733-A4863353D491}" type="slidenum">
               <a:rPr b="0" lang="en-US" sz="1200" spc="-1" strike="noStrike">
                 <a:solidFill>
                   <a:srgbClr val="000000"/>
@@ -1212,7 +1212,7 @@
         <p:spPr>
           <a:xfrm>
             <a:off x="380880" y="685800"/>
-            <a:ext cx="6093000" cy="3426120"/>
+            <a:ext cx="6092640" cy="3425760"/>
           </a:xfrm>
           <a:prstGeom prst="rect">
             <a:avLst/>
@@ -1235,7 +1235,7 @@
         <p:spPr>
           <a:xfrm>
             <a:off x="685800" y="4343400"/>
-            <a:ext cx="5483520" cy="4111920"/>
+            <a:ext cx="5483160" cy="4111560"/>
           </a:xfrm>
           <a:prstGeom prst="rect">
             <a:avLst/>
@@ -1269,7 +1269,7 @@
         <p:spPr>
           <a:xfrm>
             <a:off x="3884760" y="8685360"/>
-            <a:ext cx="2968920" cy="454320"/>
+            <a:ext cx="2968560" cy="453960"/>
           </a:xfrm>
           <a:prstGeom prst="rect">
             <a:avLst/>
@@ -1305,7 +1305,7 @@
               </a:lnSpc>
               <a:buNone/>
             </a:pPr>
-            <a:fld id="{C1F97ABE-3A1E-44A8-B18E-F64FD6335D59}" type="slidenum">
+            <a:fld id="{9079E79A-BCA1-4B34-9496-FE41951A5C52}" type="slidenum">
               <a:rPr b="0" lang="en-US" sz="1200" spc="-1" strike="noStrike">
                 <a:solidFill>
                   <a:srgbClr val="000000"/>
@@ -1356,7 +1356,7 @@
         <p:spPr>
           <a:xfrm>
             <a:off x="380880" y="685800"/>
-            <a:ext cx="6093000" cy="3426120"/>
+            <a:ext cx="6092640" cy="3425760"/>
           </a:xfrm>
           <a:prstGeom prst="rect">
             <a:avLst/>
@@ -1379,7 +1379,7 @@
         <p:spPr>
           <a:xfrm>
             <a:off x="685800" y="4343400"/>
-            <a:ext cx="5483520" cy="4111920"/>
+            <a:ext cx="5483160" cy="4111560"/>
           </a:xfrm>
           <a:prstGeom prst="rect">
             <a:avLst/>
@@ -1413,7 +1413,7 @@
         <p:spPr>
           <a:xfrm>
             <a:off x="3884760" y="8685360"/>
-            <a:ext cx="2968920" cy="454320"/>
+            <a:ext cx="2968560" cy="453960"/>
           </a:xfrm>
           <a:prstGeom prst="rect">
             <a:avLst/>
@@ -1449,7 +1449,7 @@
               </a:lnSpc>
               <a:buNone/>
             </a:pPr>
-            <a:fld id="{C1E09E4F-F2EC-4E7A-8953-971AC9998E71}" type="slidenum">
+            <a:fld id="{27CD26E2-3518-44A2-962B-3A05FAD3AC8C}" type="slidenum">
               <a:rPr b="0" lang="en-US" sz="1200" spc="-1" strike="noStrike">
                 <a:solidFill>
                   <a:srgbClr val="000000"/>
@@ -1500,7 +1500,7 @@
         <p:spPr>
           <a:xfrm>
             <a:off x="380880" y="685800"/>
-            <a:ext cx="6093000" cy="3426120"/>
+            <a:ext cx="6092640" cy="3425760"/>
           </a:xfrm>
           <a:prstGeom prst="rect">
             <a:avLst/>
@@ -1523,7 +1523,7 @@
         <p:spPr>
           <a:xfrm>
             <a:off x="685800" y="4343400"/>
-            <a:ext cx="5483520" cy="4111920"/>
+            <a:ext cx="5483160" cy="4111560"/>
           </a:xfrm>
           <a:prstGeom prst="rect">
             <a:avLst/>
@@ -1557,7 +1557,7 @@
         <p:spPr>
           <a:xfrm>
             <a:off x="3884760" y="8685360"/>
-            <a:ext cx="2968920" cy="454320"/>
+            <a:ext cx="2968560" cy="453960"/>
           </a:xfrm>
           <a:prstGeom prst="rect">
             <a:avLst/>
@@ -1593,7 +1593,7 @@
               </a:lnSpc>
               <a:buNone/>
             </a:pPr>
-            <a:fld id="{4D4463EF-42F2-4C33-AB51-F6B928B80269}" type="slidenum">
+            <a:fld id="{823437C2-F213-4BA4-ACB8-4587D50C2A67}" type="slidenum">
               <a:rPr b="0" lang="en-US" sz="1200" spc="-1" strike="noStrike">
                 <a:solidFill>
                   <a:srgbClr val="000000"/>
@@ -1665,7 +1665,7 @@
         <p:txBody>
           <a:bodyPr/>
           <a:p>
-            <a:fld id="{B6E1B62B-EA2B-4A94-AD1F-16EA05AF1CC5}" type="slidenum">
+            <a:fld id="{28537C64-48CB-425F-ABD7-8ADA14751A69}" type="slidenum">
               <a:t>&lt;#&gt;</a:t>
             </a:fld>
           </a:p>
@@ -1853,7 +1853,7 @@
         <p:txBody>
           <a:bodyPr/>
           <a:p>
-            <a:fld id="{2C05FA85-1A22-4FFC-8083-0F3B63953ED1}" type="slidenum">
+            <a:fld id="{37FB10D2-E4B3-48E0-8C8F-1B20DEC40EAF}" type="slidenum">
               <a:t>&lt;#&gt;</a:t>
             </a:fld>
           </a:p>
@@ -2109,7 +2109,7 @@
         <p:txBody>
           <a:bodyPr/>
           <a:p>
-            <a:fld id="{D7DE0CE2-6718-4FC4-AF42-81F80EBAE25F}" type="slidenum">
+            <a:fld id="{7AE7A4C5-5432-440A-9D5B-E86DE7A92763}" type="slidenum">
               <a:t>&lt;#&gt;</a:t>
             </a:fld>
           </a:p>
@@ -2433,7 +2433,7 @@
         <p:txBody>
           <a:bodyPr/>
           <a:p>
-            <a:fld id="{CAF85478-1AA7-413E-AD41-9286219705E9}" type="slidenum">
+            <a:fld id="{B9518879-36FF-4643-97F4-D4A7CDE93567}" type="slidenum">
               <a:t>&lt;#&gt;</a:t>
             </a:fld>
           </a:p>
@@ -2590,7 +2590,7 @@
         <p:txBody>
           <a:bodyPr/>
           <a:p>
-            <a:fld id="{11698CE7-FEF3-4500-941F-D4766C2EB9E1}" type="slidenum">
+            <a:fld id="{C699CA87-997D-4A3D-98A1-7B9E1DF469E3}" type="slidenum">
               <a:t>&lt;#&gt;</a:t>
             </a:fld>
           </a:p>
@@ -2744,7 +2744,7 @@
         <p:txBody>
           <a:bodyPr/>
           <a:p>
-            <a:fld id="{24C9A862-E0E0-4AC9-A269-9E55F303DC8A}" type="slidenum">
+            <a:fld id="{A413AE23-B06B-478E-937E-1F018371FE9F}" type="slidenum">
               <a:t>&lt;#&gt;</a:t>
             </a:fld>
           </a:p>
@@ -2932,7 +2932,7 @@
         <p:txBody>
           <a:bodyPr/>
           <a:p>
-            <a:fld id="{56D82F85-BF43-4752-99B5-4856C597FB4C}" type="slidenum">
+            <a:fld id="{0F21E236-E39C-492C-9B95-4581388B623B}" type="slidenum">
               <a:t>&lt;#&gt;</a:t>
             </a:fld>
           </a:p>
@@ -3052,7 +3052,7 @@
         <p:txBody>
           <a:bodyPr/>
           <a:p>
-            <a:fld id="{99595592-CB37-4E89-944B-ED2C2B6F167C}" type="slidenum">
+            <a:fld id="{147C3678-7A87-42D4-97F1-850DA8F4022E}" type="slidenum">
               <a:t>&lt;#&gt;</a:t>
             </a:fld>
           </a:p>
@@ -3172,7 +3172,7 @@
         <p:txBody>
           <a:bodyPr/>
           <a:p>
-            <a:fld id="{3279C608-31FE-4611-9FFC-6F35F97B03C5}" type="slidenum">
+            <a:fld id="{918132A9-EEA0-4FAE-92EB-79BD48D2D19B}" type="slidenum">
               <a:t>&lt;#&gt;</a:t>
             </a:fld>
           </a:p>
@@ -3394,7 +3394,7 @@
         <p:txBody>
           <a:bodyPr/>
           <a:p>
-            <a:fld id="{2D72B8DC-8106-4252-968B-5676B224EA32}" type="slidenum">
+            <a:fld id="{FE8EE08A-F5FC-471B-8F64-2BAA8838BA7F}" type="slidenum">
               <a:t>&lt;#&gt;</a:t>
             </a:fld>
           </a:p>
@@ -3616,7 +3616,7 @@
         <p:txBody>
           <a:bodyPr/>
           <a:p>
-            <a:fld id="{F3C5C738-E9B2-438D-9F81-3AF322AF3C79}" type="slidenum">
+            <a:fld id="{01D62A37-1577-477C-924D-0493F37C7F36}" type="slidenum">
               <a:t>&lt;#&gt;</a:t>
             </a:fld>
           </a:p>
@@ -3838,7 +3838,7 @@
         <p:txBody>
           <a:bodyPr/>
           <a:p>
-            <a:fld id="{034E9353-8C95-4AA2-AEE0-B6A61765B494}" type="slidenum">
+            <a:fld id="{820C1E0F-7F3A-478E-8849-1C0C607E6322}" type="slidenum">
               <a:t>&lt;#&gt;</a:t>
             </a:fld>
           </a:p>
@@ -3907,7 +3907,7 @@
         <p:spPr>
           <a:xfrm>
             <a:off x="3028680" y="4771440"/>
-            <a:ext cx="3083760" cy="271800"/>
+            <a:ext cx="3083400" cy="271440"/>
           </a:xfrm>
           <a:prstGeom prst="rect">
             <a:avLst/>
@@ -3972,7 +3972,7 @@
         <p:spPr>
           <a:xfrm>
             <a:off x="6457680" y="4771440"/>
-            <a:ext cx="2055240" cy="271800"/>
+            <a:ext cx="2054880" cy="271440"/>
           </a:xfrm>
           <a:prstGeom prst="rect">
             <a:avLst/>
@@ -4008,7 +4008,7 @@
               </a:lnSpc>
               <a:buNone/>
             </a:pPr>
-            <a:fld id="{CDE25157-6FFA-4C53-BD4E-0229E0A23B50}" type="slidenum">
+            <a:fld id="{49778CE6-A85E-43FF-9258-2776CA7A3628}" type="slidenum">
               <a:rPr b="0" lang="en-US" sz="1200" spc="-1" strike="noStrike">
                 <a:solidFill>
                   <a:srgbClr val="8b8b8b"/>
@@ -4037,7 +4037,7 @@
         <p:spPr>
           <a:xfrm>
             <a:off x="628200" y="4771440"/>
-            <a:ext cx="2055240" cy="271800"/>
+            <a:ext cx="2054880" cy="271440"/>
           </a:xfrm>
           <a:prstGeom prst="rect">
             <a:avLst/>
@@ -4349,8 +4349,8 @@
         </p:nvSpPr>
         <p:spPr>
           <a:xfrm rot="2744400">
-            <a:off x="-282600" y="-25920"/>
-            <a:ext cx="705960" cy="705600"/>
+            <a:off x="-282240" y="-25920"/>
+            <a:ext cx="705600" cy="705240"/>
           </a:xfrm>
           <a:prstGeom prst="roundRect">
             <a:avLst>
@@ -4387,8 +4387,8 @@
         </p:nvSpPr>
         <p:spPr>
           <a:xfrm rot="2625600">
-            <a:off x="6024960" y="4334040"/>
-            <a:ext cx="469800" cy="469800"/>
+            <a:off x="6024960" y="4333680"/>
+            <a:ext cx="469440" cy="469440"/>
           </a:xfrm>
           <a:prstGeom prst="roundRect">
             <a:avLst>
@@ -4426,7 +4426,7 @@
         <p:spPr>
           <a:xfrm rot="18679200">
             <a:off x="7004880" y="948600"/>
-            <a:ext cx="4941360" cy="4667760"/>
+            <a:ext cx="4941000" cy="4667400"/>
           </a:xfrm>
           <a:prstGeom prst="roundRect">
             <a:avLst>
@@ -4464,7 +4464,7 @@
         <p:spPr>
           <a:xfrm>
             <a:off x="459720" y="4671360"/>
-            <a:ext cx="2997000" cy="267840"/>
+            <a:ext cx="2996640" cy="267480"/>
           </a:xfrm>
           <a:prstGeom prst="rect">
             <a:avLst/>
@@ -4529,8 +4529,8 @@
         </p:blipFill>
         <p:spPr>
           <a:xfrm>
-            <a:off x="2423160" y="4671720"/>
-            <a:ext cx="289440" cy="289440"/>
+            <a:off x="2971800" y="4740120"/>
+            <a:ext cx="289080" cy="289080"/>
           </a:xfrm>
           <a:prstGeom prst="rect">
             <a:avLst/>
@@ -4549,7 +4549,7 @@
         <p:spPr>
           <a:xfrm>
             <a:off x="484920" y="1681560"/>
-            <a:ext cx="5482440" cy="1883880"/>
+            <a:ext cx="5482080" cy="1883520"/>
           </a:xfrm>
           <a:prstGeom prst="rect">
             <a:avLst/>
@@ -4631,7 +4631,7 @@
         <p:spPr>
           <a:xfrm>
             <a:off x="586440" y="1246680"/>
-            <a:ext cx="4005720" cy="3601440"/>
+            <a:ext cx="4005360" cy="3601080"/>
           </a:xfrm>
           <a:prstGeom prst="rect">
             <a:avLst/>
@@ -4683,7 +4683,7 @@
         <p:spPr>
           <a:xfrm>
             <a:off x="559800" y="446040"/>
-            <a:ext cx="4285080" cy="685080"/>
+            <a:ext cx="4284720" cy="684720"/>
           </a:xfrm>
           <a:prstGeom prst="rect">
             <a:avLst/>
@@ -4735,7 +4735,7 @@
         <p:spPr>
           <a:xfrm>
             <a:off x="5097600" y="360"/>
-            <a:ext cx="4381200" cy="5145480"/>
+            <a:ext cx="4380840" cy="5145120"/>
           </a:xfrm>
           <a:prstGeom prst="roundRect">
             <a:avLst>
@@ -4800,8 +4800,8 @@
         </p:nvSpPr>
         <p:spPr>
           <a:xfrm rot="2744400">
-            <a:off x="-282600" y="-25920"/>
-            <a:ext cx="705960" cy="705600"/>
+            <a:off x="-282240" y="-25920"/>
+            <a:ext cx="705600" cy="705240"/>
           </a:xfrm>
           <a:prstGeom prst="roundRect">
             <a:avLst>
@@ -4838,8 +4838,8 @@
         </p:nvSpPr>
         <p:spPr>
           <a:xfrm rot="2625600">
-            <a:off x="4861080" y="4147920"/>
-            <a:ext cx="469800" cy="469800"/>
+            <a:off x="4861080" y="4147560"/>
+            <a:ext cx="469440" cy="469440"/>
           </a:xfrm>
           <a:prstGeom prst="roundRect">
             <a:avLst>
@@ -4913,8 +4913,8 @@
         </p:nvSpPr>
         <p:spPr>
           <a:xfrm rot="2744400">
-            <a:off x="-351720" y="4541400"/>
-            <a:ext cx="705960" cy="705600"/>
+            <a:off x="-351360" y="4541040"/>
+            <a:ext cx="705600" cy="705240"/>
           </a:xfrm>
           <a:prstGeom prst="roundRect">
             <a:avLst>
@@ -4951,8 +4951,8 @@
         </p:nvSpPr>
         <p:spPr>
           <a:xfrm rot="19228200">
-            <a:off x="5847480" y="-2268000"/>
-            <a:ext cx="4856760" cy="7727760"/>
+            <a:off x="5847120" y="-2267640"/>
+            <a:ext cx="4856400" cy="7727400"/>
           </a:xfrm>
           <a:prstGeom prst="roundRect">
             <a:avLst>
@@ -4990,9 +4990,9 @@
         <p:grpSpPr>
           <a:xfrm>
             <a:off x="4571640" y="828000"/>
-            <a:ext cx="4469760" cy="3565800"/>
+            <a:ext cx="4469400" cy="3565440"/>
             <a:chOff x="4571640" y="828000"/>
-            <a:chExt cx="4469760" cy="3565800"/>
+            <a:chExt cx="4469400" cy="3565440"/>
           </a:xfrm>
         </p:grpSpPr>
         <p:pic>
@@ -5008,7 +5008,7 @@
           <p:spPr>
             <a:xfrm>
               <a:off x="4571640" y="828000"/>
-              <a:ext cx="4469760" cy="3565800"/>
+              <a:ext cx="4469400" cy="3565440"/>
             </a:xfrm>
             <a:prstGeom prst="rect">
               <a:avLst/>
@@ -5026,8 +5026,8 @@
           </p:nvSpPr>
           <p:spPr>
             <a:xfrm rot="16200000">
-              <a:off x="5962680" y="1157400"/>
-              <a:ext cx="1738800" cy="2772720"/>
+              <a:off x="5962680" y="1157760"/>
+              <a:ext cx="1738440" cy="2772360"/>
             </a:xfrm>
             <a:prstGeom prst="roundRect">
               <a:avLst>
@@ -5094,7 +5094,7 @@
         <p:spPr>
           <a:xfrm>
             <a:off x="586440" y="1246680"/>
-            <a:ext cx="4005720" cy="3601440"/>
+            <a:ext cx="4005360" cy="3601080"/>
           </a:xfrm>
           <a:prstGeom prst="rect">
             <a:avLst/>
@@ -5146,7 +5146,7 @@
         <p:spPr>
           <a:xfrm>
             <a:off x="5446080" y="1672200"/>
-            <a:ext cx="2781720" cy="1738800"/>
+            <a:ext cx="2781360" cy="1738440"/>
           </a:xfrm>
           <a:prstGeom prst="rect">
             <a:avLst/>
@@ -5198,7 +5198,7 @@
         <p:spPr>
           <a:xfrm>
             <a:off x="586440" y="453960"/>
-            <a:ext cx="3698280" cy="856800"/>
+            <a:ext cx="3697920" cy="856440"/>
           </a:xfrm>
           <a:prstGeom prst="rect">
             <a:avLst/>
@@ -5287,7 +5287,7 @@
         <p:spPr>
           <a:xfrm>
             <a:off x="4222080" y="1246680"/>
-            <a:ext cx="4116600" cy="3601440"/>
+            <a:ext cx="4116240" cy="3601080"/>
           </a:xfrm>
           <a:prstGeom prst="rect">
             <a:avLst/>
@@ -5338,8 +5338,8 @@
         </p:nvSpPr>
         <p:spPr>
           <a:xfrm rot="16200000">
-            <a:off x="-2181600" y="1731960"/>
-            <a:ext cx="5145480" cy="1685520"/>
+            <a:off x="-2181600" y="1732320"/>
+            <a:ext cx="5145120" cy="1685160"/>
           </a:xfrm>
           <a:prstGeom prst="roundRect">
             <a:avLst>
@@ -5377,7 +5377,7 @@
         <p:spPr>
           <a:xfrm rot="2745000">
             <a:off x="8575200" y="104760"/>
-            <a:ext cx="1134000" cy="1133640"/>
+            <a:ext cx="1133640" cy="1133280"/>
           </a:xfrm>
           <a:prstGeom prst="roundRect">
             <a:avLst>
@@ -5414,8 +5414,8 @@
         </p:nvSpPr>
         <p:spPr>
           <a:xfrm rot="16200000">
-            <a:off x="614880" y="917280"/>
-            <a:ext cx="3233520" cy="3315240"/>
+            <a:off x="614880" y="917640"/>
+            <a:ext cx="3233160" cy="3314880"/>
           </a:xfrm>
           <a:prstGeom prst="roundRect">
             <a:avLst>
@@ -5481,7 +5481,7 @@
         <p:spPr>
           <a:xfrm>
             <a:off x="4214160" y="456120"/>
-            <a:ext cx="4113360" cy="856800"/>
+            <a:ext cx="4113000" cy="856440"/>
           </a:xfrm>
           <a:prstGeom prst="rect">
             <a:avLst/>
@@ -5569,8 +5569,8 @@
         </p:nvSpPr>
         <p:spPr>
           <a:xfrm rot="2744400">
-            <a:off x="-282600" y="-25920"/>
-            <a:ext cx="705960" cy="705600"/>
+            <a:off x="-282240" y="-25920"/>
+            <a:ext cx="705600" cy="705240"/>
           </a:xfrm>
           <a:prstGeom prst="roundRect">
             <a:avLst>
@@ -5608,7 +5608,7 @@
         <p:spPr>
           <a:xfrm rot="2332200">
             <a:off x="6009480" y="-320040"/>
-            <a:ext cx="4857120" cy="7728120"/>
+            <a:ext cx="4856760" cy="7727760"/>
           </a:xfrm>
           <a:prstGeom prst="roundRect">
             <a:avLst>
@@ -5646,9 +5646,9 @@
         <p:grpSpPr>
           <a:xfrm>
             <a:off x="4571640" y="828000"/>
-            <a:ext cx="4469760" cy="3565800"/>
+            <a:ext cx="4469400" cy="3565440"/>
             <a:chOff x="4571640" y="828000"/>
-            <a:chExt cx="4469760" cy="3565800"/>
+            <a:chExt cx="4469400" cy="3565440"/>
           </a:xfrm>
         </p:grpSpPr>
         <p:pic>
@@ -5664,7 +5664,7 @@
           <p:spPr>
             <a:xfrm>
               <a:off x="4571640" y="828000"/>
-              <a:ext cx="4469760" cy="3565800"/>
+              <a:ext cx="4469400" cy="3565440"/>
             </a:xfrm>
             <a:prstGeom prst="rect">
               <a:avLst/>
@@ -5682,8 +5682,8 @@
           </p:nvSpPr>
           <p:spPr>
             <a:xfrm rot="16200000">
-              <a:off x="5962680" y="1157400"/>
-              <a:ext cx="1738800" cy="2772720"/>
+              <a:off x="5962680" y="1157760"/>
+              <a:ext cx="1738440" cy="2772360"/>
             </a:xfrm>
             <a:prstGeom prst="roundRect">
               <a:avLst>
@@ -5750,7 +5750,7 @@
         <p:spPr>
           <a:xfrm>
             <a:off x="5446080" y="1672200"/>
-            <a:ext cx="2772360" cy="1738800"/>
+            <a:ext cx="2772000" cy="1738440"/>
           </a:xfrm>
           <a:prstGeom prst="rect">
             <a:avLst/>
@@ -5802,7 +5802,7 @@
         <p:spPr>
           <a:xfrm>
             <a:off x="586440" y="1246680"/>
-            <a:ext cx="4005720" cy="3601440"/>
+            <a:ext cx="4005360" cy="3601080"/>
           </a:xfrm>
           <a:prstGeom prst="rect">
             <a:avLst/>
@@ -5854,7 +5854,7 @@
         <p:spPr>
           <a:xfrm>
             <a:off x="586440" y="453960"/>
-            <a:ext cx="4765680" cy="856800"/>
+            <a:ext cx="4765320" cy="856440"/>
           </a:xfrm>
           <a:prstGeom prst="rect">
             <a:avLst/>
@@ -5943,7 +5943,7 @@
         <p:spPr>
           <a:xfrm rot="2745600">
             <a:off x="8349840" y="-668520"/>
-            <a:ext cx="1499760" cy="1499760"/>
+            <a:ext cx="1499400" cy="1499400"/>
           </a:xfrm>
           <a:prstGeom prst="roundRect">
             <a:avLst>
@@ -5981,7 +5981,7 @@
         <p:spPr>
           <a:xfrm rot="2745600">
             <a:off x="7634160" y="-322920"/>
-            <a:ext cx="808560" cy="808920"/>
+            <a:ext cx="808200" cy="808560"/>
           </a:xfrm>
           <a:prstGeom prst="roundRect">
             <a:avLst>
@@ -6020,7 +6020,7 @@
         <p:spPr>
           <a:xfrm>
             <a:off x="586440" y="899640"/>
-            <a:ext cx="7933320" cy="1538640"/>
+            <a:ext cx="7932960" cy="1538280"/>
           </a:xfrm>
           <a:prstGeom prst="rect">
             <a:avLst/>
@@ -6072,7 +6072,7 @@
         <p:spPr>
           <a:xfrm>
             <a:off x="608040" y="2545560"/>
-            <a:ext cx="3713760" cy="2257200"/>
+            <a:ext cx="3713400" cy="2256840"/>
           </a:xfrm>
           <a:prstGeom prst="rect">
             <a:avLst/>
@@ -6124,7 +6124,7 @@
         <p:spPr>
           <a:xfrm>
             <a:off x="4806360" y="2545560"/>
-            <a:ext cx="3713760" cy="2257200"/>
+            <a:ext cx="3713400" cy="2256840"/>
           </a:xfrm>
           <a:prstGeom prst="rect">
             <a:avLst/>
@@ -6176,7 +6176,7 @@
         <p:spPr>
           <a:xfrm>
             <a:off x="583200" y="450720"/>
-            <a:ext cx="7199640" cy="513720"/>
+            <a:ext cx="7199280" cy="513360"/>
           </a:xfrm>
           <a:prstGeom prst="rect">
             <a:avLst/>
@@ -6258,7 +6258,7 @@
         <p:spPr>
           <a:xfrm>
             <a:off x="586440" y="1246680"/>
-            <a:ext cx="4005720" cy="3601440"/>
+            <a:ext cx="4005360" cy="3601080"/>
           </a:xfrm>
           <a:prstGeom prst="rect">
             <a:avLst/>
@@ -6310,7 +6310,7 @@
         <p:spPr>
           <a:xfrm>
             <a:off x="559800" y="446040"/>
-            <a:ext cx="4285080" cy="685080"/>
+            <a:ext cx="4284720" cy="684720"/>
           </a:xfrm>
           <a:prstGeom prst="rect">
             <a:avLst/>
@@ -6362,7 +6362,7 @@
         <p:spPr>
           <a:xfrm>
             <a:off x="5097600" y="360"/>
-            <a:ext cx="4381200" cy="5145480"/>
+            <a:ext cx="4380840" cy="5145120"/>
           </a:xfrm>
           <a:prstGeom prst="roundRect">
             <a:avLst>
@@ -6427,8 +6427,8 @@
         </p:nvSpPr>
         <p:spPr>
           <a:xfrm rot="2744400">
-            <a:off x="-282600" y="-25920"/>
-            <a:ext cx="705960" cy="705600"/>
+            <a:off x="-282240" y="-25920"/>
+            <a:ext cx="705600" cy="705240"/>
           </a:xfrm>
           <a:prstGeom prst="roundRect">
             <a:avLst>
@@ -6465,8 +6465,8 @@
         </p:nvSpPr>
         <p:spPr>
           <a:xfrm rot="2625600">
-            <a:off x="4861080" y="4147920"/>
-            <a:ext cx="469800" cy="469800"/>
+            <a:off x="4861080" y="4147560"/>
+            <a:ext cx="469440" cy="469440"/>
           </a:xfrm>
           <a:prstGeom prst="roundRect">
             <a:avLst>
@@ -6540,8 +6540,8 @@
         </p:nvSpPr>
         <p:spPr>
           <a:xfrm rot="2744400">
-            <a:off x="-351720" y="4541400"/>
-            <a:ext cx="705960" cy="705600"/>
+            <a:off x="-351360" y="4541040"/>
+            <a:ext cx="705600" cy="705240"/>
           </a:xfrm>
           <a:prstGeom prst="roundRect">
             <a:avLst>
@@ -6578,8 +6578,8 @@
         </p:nvSpPr>
         <p:spPr>
           <a:xfrm rot="19228200">
-            <a:off x="5847480" y="-2268000"/>
-            <a:ext cx="4856760" cy="7727760"/>
+            <a:off x="5847120" y="-2267640"/>
+            <a:ext cx="4856400" cy="7727400"/>
           </a:xfrm>
           <a:prstGeom prst="roundRect">
             <a:avLst>
@@ -6617,9 +6617,9 @@
         <p:grpSpPr>
           <a:xfrm>
             <a:off x="4571640" y="828000"/>
-            <a:ext cx="4469760" cy="3565800"/>
+            <a:ext cx="4469400" cy="3565440"/>
             <a:chOff x="4571640" y="828000"/>
-            <a:chExt cx="4469760" cy="3565800"/>
+            <a:chExt cx="4469400" cy="3565440"/>
           </a:xfrm>
         </p:grpSpPr>
         <p:pic>
@@ -6635,7 +6635,7 @@
           <p:spPr>
             <a:xfrm>
               <a:off x="4571640" y="828000"/>
-              <a:ext cx="4469760" cy="3565800"/>
+              <a:ext cx="4469400" cy="3565440"/>
             </a:xfrm>
             <a:prstGeom prst="rect">
               <a:avLst/>
@@ -6653,8 +6653,8 @@
           </p:nvSpPr>
           <p:spPr>
             <a:xfrm rot="16200000">
-              <a:off x="5962680" y="1157400"/>
-              <a:ext cx="1738800" cy="2772720"/>
+              <a:off x="5962680" y="1157760"/>
+              <a:ext cx="1738440" cy="2772360"/>
             </a:xfrm>
             <a:prstGeom prst="roundRect">
               <a:avLst>
@@ -6721,7 +6721,7 @@
         <p:spPr>
           <a:xfrm>
             <a:off x="586440" y="1246680"/>
-            <a:ext cx="4005720" cy="3601440"/>
+            <a:ext cx="4005360" cy="3601080"/>
           </a:xfrm>
           <a:prstGeom prst="rect">
             <a:avLst/>
@@ -6773,7 +6773,7 @@
         <p:spPr>
           <a:xfrm>
             <a:off x="5446080" y="1672200"/>
-            <a:ext cx="2781720" cy="1738800"/>
+            <a:ext cx="2781360" cy="1738440"/>
           </a:xfrm>
           <a:prstGeom prst="rect">
             <a:avLst/>
@@ -6825,7 +6825,7 @@
         <p:spPr>
           <a:xfrm>
             <a:off x="586440" y="453960"/>
-            <a:ext cx="3698280" cy="856800"/>
+            <a:ext cx="3697920" cy="856440"/>
           </a:xfrm>
           <a:prstGeom prst="rect">
             <a:avLst/>
@@ -6913,8 +6913,8 @@
         </p:nvSpPr>
         <p:spPr>
           <a:xfrm rot="2744400">
-            <a:off x="-282600" y="-25920"/>
-            <a:ext cx="705960" cy="705600"/>
+            <a:off x="-282240" y="-25920"/>
+            <a:ext cx="705600" cy="705240"/>
           </a:xfrm>
           <a:prstGeom prst="roundRect">
             <a:avLst>
@@ -6952,7 +6952,7 @@
         <p:spPr>
           <a:xfrm>
             <a:off x="569160" y="1888920"/>
-            <a:ext cx="4822560" cy="820800"/>
+            <a:ext cx="4822200" cy="820800"/>
           </a:xfrm>
           <a:prstGeom prst="rect">
             <a:avLst/>
@@ -7004,7 +7004,7 @@
         <p:spPr>
           <a:xfrm rot="18679800">
             <a:off x="6783120" y="457560"/>
-            <a:ext cx="6252120" cy="4667760"/>
+            <a:ext cx="6251760" cy="4667400"/>
           </a:xfrm>
           <a:prstGeom prst="roundRect">
             <a:avLst>
@@ -7041,8 +7041,8 @@
         </p:nvSpPr>
         <p:spPr>
           <a:xfrm rot="2625600">
-            <a:off x="6024960" y="4334040"/>
-            <a:ext cx="469800" cy="469800"/>
+            <a:off x="6024960" y="4333680"/>
+            <a:ext cx="469440" cy="469440"/>
           </a:xfrm>
           <a:prstGeom prst="roundRect">
             <a:avLst>
@@ -7080,7 +7080,7 @@
         <p:spPr>
           <a:xfrm>
             <a:off x="1640880" y="4592880"/>
-            <a:ext cx="2997000" cy="267840"/>
+            <a:ext cx="2996640" cy="267480"/>
           </a:xfrm>
           <a:prstGeom prst="rect">
             <a:avLst/>
@@ -7142,7 +7142,7 @@
         <p:spPr>
           <a:xfrm>
             <a:off x="867240" y="3590280"/>
-            <a:ext cx="254880" cy="255240"/>
+            <a:ext cx="254520" cy="254880"/>
           </a:xfrm>
           <a:prstGeom prst="ellipse">
             <a:avLst/>
@@ -7177,7 +7177,7 @@
         <p:spPr>
           <a:xfrm>
             <a:off x="351000" y="3793320"/>
-            <a:ext cx="1287360" cy="1132920"/>
+            <a:ext cx="1287000" cy="1132560"/>
           </a:xfrm>
           <a:prstGeom prst="rect">
             <a:avLst/>
